--- a/Later/Spring/3_Architecture/Spring Framework - Architecture_V3.pptx
+++ b/Later/Spring/3_Architecture/Spring Framework - Architecture_V3.pptx
@@ -195,7 +195,7 @@
           <a:p>
             <a:fld id="{62274EC6-3890-417B-9308-14EFBD00FA63}" type="datetimeFigureOut">
               <a:rPr lang="en-US" smtClean="0"/>
-              <a:t>12/21/2017</a:t>
+              <a:t>3/30/2018</a:t>
             </a:fld>
             <a:endParaRPr lang="en-US" dirty="0"/>
           </a:p>
@@ -1001,7 +1001,7 @@
             <a:fld id="{1D8BD707-D9CF-40AE-B4C6-C98DA3205C09}" type="datetimeFigureOut">
               <a:rPr lang="en-US" smtClean="0"/>
               <a:pPr/>
-              <a:t>12/21/2017</a:t>
+              <a:t>3/30/2018</a:t>
             </a:fld>
             <a:endParaRPr lang="en-US" dirty="0"/>
           </a:p>
@@ -1173,7 +1173,7 @@
             <a:fld id="{1D8BD707-D9CF-40AE-B4C6-C98DA3205C09}" type="datetimeFigureOut">
               <a:rPr lang="en-US" smtClean="0"/>
               <a:pPr/>
-              <a:t>12/21/2017</a:t>
+              <a:t>3/30/2018</a:t>
             </a:fld>
             <a:endParaRPr lang="en-US" dirty="0"/>
           </a:p>
@@ -1355,7 +1355,7 @@
             <a:fld id="{1D8BD707-D9CF-40AE-B4C6-C98DA3205C09}" type="datetimeFigureOut">
               <a:rPr lang="en-US" smtClean="0"/>
               <a:pPr/>
-              <a:t>12/21/2017</a:t>
+              <a:t>3/30/2018</a:t>
             </a:fld>
             <a:endParaRPr lang="en-US" dirty="0"/>
           </a:p>
@@ -1527,7 +1527,7 @@
             <a:fld id="{1D8BD707-D9CF-40AE-B4C6-C98DA3205C09}" type="datetimeFigureOut">
               <a:rPr lang="en-US" smtClean="0"/>
               <a:pPr/>
-              <a:t>12/21/2017</a:t>
+              <a:t>3/30/2018</a:t>
             </a:fld>
             <a:endParaRPr lang="en-US" dirty="0"/>
           </a:p>
@@ -1775,7 +1775,7 @@
             <a:fld id="{1D8BD707-D9CF-40AE-B4C6-C98DA3205C09}" type="datetimeFigureOut">
               <a:rPr lang="en-US" smtClean="0"/>
               <a:pPr/>
-              <a:t>12/21/2017</a:t>
+              <a:t>3/30/2018</a:t>
             </a:fld>
             <a:endParaRPr lang="en-US" dirty="0"/>
           </a:p>
@@ -2065,7 +2065,7 @@
             <a:fld id="{1D8BD707-D9CF-40AE-B4C6-C98DA3205C09}" type="datetimeFigureOut">
               <a:rPr lang="en-US" smtClean="0"/>
               <a:pPr/>
-              <a:t>12/21/2017</a:t>
+              <a:t>3/30/2018</a:t>
             </a:fld>
             <a:endParaRPr lang="en-US" dirty="0"/>
           </a:p>
@@ -2494,7 +2494,7 @@
             <a:fld id="{1D8BD707-D9CF-40AE-B4C6-C98DA3205C09}" type="datetimeFigureOut">
               <a:rPr lang="en-US" smtClean="0"/>
               <a:pPr/>
-              <a:t>12/21/2017</a:t>
+              <a:t>3/30/2018</a:t>
             </a:fld>
             <a:endParaRPr lang="en-US" dirty="0"/>
           </a:p>
@@ -2614,7 +2614,7 @@
             <a:fld id="{1D8BD707-D9CF-40AE-B4C6-C98DA3205C09}" type="datetimeFigureOut">
               <a:rPr lang="en-US" smtClean="0"/>
               <a:pPr/>
-              <a:t>12/21/2017</a:t>
+              <a:t>3/30/2018</a:t>
             </a:fld>
             <a:endParaRPr lang="en-US" dirty="0"/>
           </a:p>
@@ -2711,7 +2711,7 @@
             <a:fld id="{1D8BD707-D9CF-40AE-B4C6-C98DA3205C09}" type="datetimeFigureOut">
               <a:rPr lang="en-US" smtClean="0"/>
               <a:pPr/>
-              <a:t>12/21/2017</a:t>
+              <a:t>3/30/2018</a:t>
             </a:fld>
             <a:endParaRPr lang="en-US" dirty="0"/>
           </a:p>
@@ -2990,7 +2990,7 @@
             <a:fld id="{1D8BD707-D9CF-40AE-B4C6-C98DA3205C09}" type="datetimeFigureOut">
               <a:rPr lang="en-US" smtClean="0"/>
               <a:pPr/>
-              <a:t>12/21/2017</a:t>
+              <a:t>3/30/2018</a:t>
             </a:fld>
             <a:endParaRPr lang="en-US" dirty="0"/>
           </a:p>
@@ -3245,7 +3245,7 @@
             <a:fld id="{1D8BD707-D9CF-40AE-B4C6-C98DA3205C09}" type="datetimeFigureOut">
               <a:rPr lang="en-US" smtClean="0"/>
               <a:pPr/>
-              <a:t>12/21/2017</a:t>
+              <a:t>3/30/2018</a:t>
             </a:fld>
             <a:endParaRPr lang="en-US" dirty="0"/>
           </a:p>
@@ -3460,7 +3460,7 @@
             <a:fld id="{1D8BD707-D9CF-40AE-B4C6-C98DA3205C09}" type="datetimeFigureOut">
               <a:rPr lang="en-US" smtClean="0"/>
               <a:pPr/>
-              <a:t>12/21/2017</a:t>
+              <a:t>3/30/2018</a:t>
             </a:fld>
             <a:endParaRPr lang="en-US" dirty="0"/>
           </a:p>
@@ -4133,7 +4133,6 @@
               <a:rPr lang="en-US" sz="1200" dirty="0"/>
               <a:t>modular architecture enables integration with other frameworks without much hassle.</a:t>
             </a:r>
-            <a:endParaRPr lang="en-US" sz="1200" dirty="0"/>
           </a:p>
         </p:txBody>
       </p:sp>
@@ -4450,7 +4449,6 @@
               <a:rPr lang="en-US" sz="1200" dirty="0"/>
               <a:t>an implementation of Factory Pattern which creates the bean as per the configurations provided by the developer in an XML file.</a:t>
             </a:r>
-            <a:endParaRPr lang="en-US" sz="1200" dirty="0"/>
           </a:p>
         </p:txBody>
       </p:sp>
@@ -4729,7 +4727,6 @@
               <a:rPr lang="en-US" sz="1200" dirty="0"/>
               <a:t> The Aspect Oriented Programming module allows developers to define method-interceptors and point cuts to keep the concerns apart. It is configured at run time so the compilation step is skipped. It aims at declarative transaction management which is easier to maintain.</a:t>
             </a:r>
-            <a:endParaRPr lang="en-US" sz="1200" dirty="0"/>
           </a:p>
         </p:txBody>
       </p:sp>
@@ -4823,14 +4820,13 @@
               <a:buChar char="ü"/>
             </a:pPr>
             <a:r>
-              <a:rPr lang="en-US" sz="1200" dirty="0" smtClean="0"/>
-              <a:t> </a:t>
+              <a:rPr lang="en-US" sz="1200" smtClean="0"/>
+              <a:t>It </a:t>
             </a:r>
             <a:r>
               <a:rPr lang="en-US" sz="1200" dirty="0"/>
-              <a:t>It uses AOP to manage transactions. Transactions can also be managed programmatically.</a:t>
-            </a:r>
-            <a:endParaRPr lang="en-US" sz="1200" dirty="0"/>
+              <a:t>uses AOP to manage transactions. Transactions can also be managed programmatically.</a:t>
+            </a:r>
           </a:p>
         </p:txBody>
       </p:sp>
@@ -5109,7 +5105,6 @@
               <a:rPr lang="en-US" sz="1200" dirty="0"/>
               <a:t>It also provides support for JMX, JCA, EJB and JMS etc. In lots of cases, JCA (Java EE Connection API) is much like JDBC, except where JDBC is focused on database JCA focus on connecting to legacy systems.</a:t>
             </a:r>
-            <a:endParaRPr lang="en-US" sz="1200" dirty="0"/>
           </a:p>
         </p:txBody>
       </p:sp>
@@ -5185,7 +5180,6 @@
               <a:rPr lang="en-US" sz="1200" dirty="0"/>
               <a:t>also integrates well with the most popular MVC frameworks like Struts, Tapestry, JSF, Wicket etc.</a:t>
             </a:r>
-            <a:endParaRPr lang="en-US" sz="1200" dirty="0"/>
           </a:p>
         </p:txBody>
       </p:sp>
@@ -5235,7 +5229,6 @@
               <a:rPr lang="en-US" sz="1200" dirty="0"/>
               <a:t>Spring doesn’t provides its own ORM implementation but offers integrations with popular Object Relational mapping tools like Hibernate, iBATIS SQL Maps, Oracle TopLink and JPA etc.</a:t>
             </a:r>
-            <a:endParaRPr lang="en-US" sz="1200" dirty="0"/>
           </a:p>
         </p:txBody>
       </p:sp>
